--- a/spring12/slidesS12/integral-estimate.pptx
+++ b/spring12/slidesS12/integral-estimate.pptx
@@ -3903,29 +3903,8 @@
                   <a:schemeClr val="tx2"/>
                 </a:solidFill>
               </a:rPr>
-              <a:t>Integral </a:t>
-            </a:r>
-            <a:r>
-              <a:rPr lang="en-US" sz="8000" dirty="0" smtClean="0">
-                <a:solidFill>
-                  <a:schemeClr val="tx2"/>
-                </a:solidFill>
-              </a:rPr>
-              <a:t>Method for </a:t>
-            </a:r>
-            <a:r>
-              <a:rPr lang="en-US" sz="8000" dirty="0" smtClean="0">
-                <a:solidFill>
-                  <a:schemeClr val="tx2"/>
-                </a:solidFill>
-              </a:rPr>
-              <a:t>Sums</a:t>
-            </a:r>
-            <a:endParaRPr lang="en-US" sz="8000" dirty="0" smtClean="0">
-              <a:solidFill>
-                <a:schemeClr val="tx2"/>
-              </a:solidFill>
-            </a:endParaRPr>
+              <a:t>Integral Method for Sums</a:t>
+            </a:r>
           </a:p>
         </p:txBody>
       </p:sp>
@@ -4140,7 +4119,18 @@
   <p:clrMapOvr>
     <a:masterClrMapping/>
   </p:clrMapOvr>
-  <p:transition xmlns:p14="http://schemas.microsoft.com/office/powerpoint/2010/main" advTm="5865"/>
+  <mc:AlternateContent xmlns:mc="http://schemas.openxmlformats.org/markup-compatibility/2006">
+    <mc:Choice xmlns:p14="http://schemas.microsoft.com/office/powerpoint/2010/main" Requires="p14">
+      <p:transition spd="med" p14:dur="700" advTm="5865">
+        <p:fade/>
+      </p:transition>
+    </mc:Choice>
+    <mc:Fallback>
+      <p:transition xmlns:p14="http://schemas.microsoft.com/office/powerpoint/2010/main" spd="med" advTm="5865">
+        <p:fade/>
+      </p:transition>
+    </mc:Fallback>
+  </mc:AlternateContent>
   <p:timing>
     <p:tnLst>
       <p:par>
@@ -4219,7 +4209,18 @@
   <p:clrMapOvr>
     <a:masterClrMapping/>
   </p:clrMapOvr>
-  <p:transition xmlns:p14="http://schemas.microsoft.com/office/powerpoint/2010/main"/>
+  <mc:AlternateContent xmlns:mc="http://schemas.openxmlformats.org/markup-compatibility/2006">
+    <mc:Choice xmlns:p14="http://schemas.microsoft.com/office/powerpoint/2010/main" Requires="p14">
+      <p:transition spd="med" p14:dur="700">
+        <p:fade/>
+      </p:transition>
+    </mc:Choice>
+    <mc:Fallback>
+      <p:transition xmlns:p14="http://schemas.microsoft.com/office/powerpoint/2010/main" spd="med">
+        <p:fade/>
+      </p:transition>
+    </mc:Fallback>
+  </mc:AlternateContent>
   <p:timing>
     <p:tnLst>
       <p:par>
@@ -5307,7 +5308,7 @@
           <a:graphicData uri="http://schemas.openxmlformats.org/presentationml/2006/ole">
             <mc:AlternateContent xmlns:mc="http://schemas.openxmlformats.org/markup-compatibility/2006">
               <mc:Choice xmlns:v="urn:schemas-microsoft-com:vml" Requires="v">
-                <p:oleObj spid="_x0000_s104478" name="Equation" r:id="rId5" imgW="164880" imgH="419040" progId="Equation.DSMT4">
+                <p:oleObj spid="_x0000_s104483" name="Equation" r:id="rId5" imgW="164880" imgH="419040" progId="Equation.DSMT4">
                   <p:embed/>
                 </p:oleObj>
               </mc:Choice>
@@ -5439,21 +5440,74 @@
                             </p:childTnLst>
                           </p:cTn>
                         </p:par>
+                      </p:childTnLst>
+                    </p:cTn>
+                  </p:par>
+                  <p:par>
+                    <p:cTn id="8" fill="hold">
+                      <p:stCondLst>
+                        <p:cond delay="indefinite"/>
+                      </p:stCondLst>
+                      <p:childTnLst>
                         <p:par>
-                          <p:cTn id="8" fill="hold">
+                          <p:cTn id="9" fill="hold">
                             <p:stCondLst>
-                              <p:cond delay="1000"/>
+                              <p:cond delay="0"/>
                             </p:stCondLst>
                             <p:childTnLst>
                               <p:par>
-                                <p:cTn id="9" presetID="22" presetClass="entr" presetSubtype="8" fill="hold" grpId="0" nodeType="afterEffect">
+                                <p:cTn id="10" presetID="9" presetClass="entr" presetSubtype="0" fill="hold" nodeType="clickEffect">
                                   <p:stCondLst>
                                     <p:cond delay="0"/>
                                   </p:stCondLst>
                                   <p:childTnLst>
                                     <p:set>
                                       <p:cBhvr>
-                                        <p:cTn id="10" dur="1" fill="hold">
+                                        <p:cTn id="11" dur="1" fill="hold">
+                                          <p:stCondLst>
+                                            <p:cond delay="0"/>
+                                          </p:stCondLst>
+                                        </p:cTn>
+                                        <p:tgtEl>
+                                          <p:spTgt spid="26"/>
+                                        </p:tgtEl>
+                                        <p:attrNameLst>
+                                          <p:attrName>style.visibility</p:attrName>
+                                        </p:attrNameLst>
+                                      </p:cBhvr>
+                                      <p:to>
+                                        <p:strVal val="visible"/>
+                                      </p:to>
+                                    </p:set>
+                                    <p:animEffect transition="in" filter="dissolve">
+                                      <p:cBhvr>
+                                        <p:cTn id="12" dur="500"/>
+                                        <p:tgtEl>
+                                          <p:spTgt spid="26"/>
+                                        </p:tgtEl>
+                                      </p:cBhvr>
+                                    </p:animEffect>
+                                  </p:childTnLst>
+                                </p:cTn>
+                              </p:par>
+                            </p:childTnLst>
+                          </p:cTn>
+                        </p:par>
+                        <p:par>
+                          <p:cTn id="13" fill="hold">
+                            <p:stCondLst>
+                              <p:cond delay="500"/>
+                            </p:stCondLst>
+                            <p:childTnLst>
+                              <p:par>
+                                <p:cTn id="14" presetID="22" presetClass="entr" presetSubtype="2" fill="hold" grpId="0" nodeType="afterEffect">
+                                  <p:stCondLst>
+                                    <p:cond delay="0"/>
+                                  </p:stCondLst>
+                                  <p:childTnLst>
+                                    <p:set>
+                                      <p:cBhvr>
+                                        <p:cTn id="15" dur="1" fill="hold">
                                           <p:stCondLst>
                                             <p:cond delay="0"/>
                                           </p:stCondLst>
@@ -5469,50 +5523,14 @@
                                         <p:strVal val="visible"/>
                                       </p:to>
                                     </p:set>
-                                    <p:animEffect transition="in" filter="wipe(left)">
+                                    <p:animEffect transition="in" filter="wipe(right)">
                                       <p:cBhvr>
-                                        <p:cTn id="11" dur="500"/>
+                                        <p:cTn id="16" dur="500"/>
                                         <p:tgtEl>
                                           <p:spTgt spid="54292"/>
                                         </p:tgtEl>
                                       </p:cBhvr>
                                     </p:animEffect>
-                                  </p:childTnLst>
-                                </p:cTn>
-                              </p:par>
-                            </p:childTnLst>
-                          </p:cTn>
-                        </p:par>
-                        <p:par>
-                          <p:cTn id="12" fill="hold">
-                            <p:stCondLst>
-                              <p:cond delay="1500"/>
-                            </p:stCondLst>
-                            <p:childTnLst>
-                              <p:par>
-                                <p:cTn id="13" presetID="1" presetClass="entr" presetSubtype="0" fill="hold" nodeType="afterEffect">
-                                  <p:stCondLst>
-                                    <p:cond delay="0"/>
-                                  </p:stCondLst>
-                                  <p:childTnLst>
-                                    <p:set>
-                                      <p:cBhvr>
-                                        <p:cTn id="14" dur="1" fill="hold">
-                                          <p:stCondLst>
-                                            <p:cond delay="0"/>
-                                          </p:stCondLst>
-                                        </p:cTn>
-                                        <p:tgtEl>
-                                          <p:spTgt spid="26"/>
-                                        </p:tgtEl>
-                                        <p:attrNameLst>
-                                          <p:attrName>style.visibility</p:attrName>
-                                        </p:attrNameLst>
-                                      </p:cBhvr>
-                                      <p:to>
-                                        <p:strVal val="visible"/>
-                                      </p:to>
-                                    </p:set>
                                   </p:childTnLst>
                                 </p:cTn>
                               </p:par>
@@ -5584,7 +5602,7 @@
           <a:graphicData uri="http://schemas.openxmlformats.org/presentationml/2006/ole">
             <mc:AlternateContent xmlns:mc="http://schemas.openxmlformats.org/markup-compatibility/2006">
               <mc:Choice xmlns:v="urn:schemas-microsoft-com:vml" Requires="v">
-                <p:oleObj spid="_x0000_s105501" name="Equation" r:id="rId4" imgW="1091880" imgH="711000" progId="Equation.DSMT4">
+                <p:oleObj spid="_x0000_s105506" name="Equation" r:id="rId4" imgW="1091880" imgH="711000" progId="Equation.DSMT4">
                   <p:embed/>
                 </p:oleObj>
               </mc:Choice>
@@ -6193,7 +6211,7 @@
             <a:r>
               <a:rPr lang="en-US" dirty="0" smtClean="0">
                 <a:solidFill>
-                  <a:srgbClr val="CC00FF"/>
+                  <a:srgbClr val="930093"/>
                 </a:solidFill>
               </a:rPr>
               <a:t>Asymptotic Equivalence</a:t>
@@ -6217,7 +6235,7 @@
           <a:graphicData uri="http://schemas.openxmlformats.org/presentationml/2006/ole">
             <mc:AlternateContent xmlns:mc="http://schemas.openxmlformats.org/markup-compatibility/2006">
               <mc:Choice xmlns:v="urn:schemas-microsoft-com:vml" Requires="v">
-                <p:oleObj spid="_x0000_s24606" name="Equation" r:id="rId5" imgW="1104840" imgH="482400" progId="Equation.DSMT4">
+                <p:oleObj spid="_x0000_s24611" name="Equation" r:id="rId5" imgW="1104840" imgH="482400" progId="Equation.DSMT4">
                   <p:embed/>
                 </p:oleObj>
               </mc:Choice>
@@ -6281,7 +6299,7 @@
         </p:nvSpPr>
         <p:spPr bwMode="auto">
           <a:xfrm>
-            <a:off x="457200" y="1447800"/>
+            <a:off x="609600" y="1371600"/>
             <a:ext cx="6705600" cy="1447800"/>
           </a:xfrm>
           <a:prstGeom prst="rect">
@@ -6305,13 +6323,25 @@
               </a:spcBef>
             </a:pPr>
             <a:r>
-              <a:rPr lang="en-US" sz="6000" i="1">
+              <a:rPr lang="en-US" sz="5400" dirty="0" err="1">
+                <a:solidFill>
+                  <a:srgbClr val="930093"/>
+                </a:solidFill>
                 <a:latin typeface="Comic Sans MS" pitchFamily="66" charset="0"/>
               </a:rPr>
-              <a:t>Def:</a:t>
-            </a:r>
-            <a:r>
-              <a:rPr lang="en-US" sz="6600">
+              <a:t>Def</a:t>
+            </a:r>
+            <a:r>
+              <a:rPr lang="en-US" sz="5400" dirty="0">
+                <a:solidFill>
+                  <a:srgbClr val="930093"/>
+                </a:solidFill>
+                <a:latin typeface="Comic Sans MS" pitchFamily="66" charset="0"/>
+              </a:rPr>
+              <a:t>:</a:t>
+            </a:r>
+            <a:r>
+              <a:rPr lang="en-US" sz="6600" dirty="0">
                 <a:solidFill>
                   <a:srgbClr val="0033CC"/>
                 </a:solidFill>
@@ -6320,13 +6350,13 @@
               <a:t>  f(n)</a:t>
             </a:r>
             <a:r>
-              <a:rPr lang="en-US" sz="6600">
+              <a:rPr lang="en-US" sz="6600" dirty="0">
                 <a:latin typeface="Comic Sans MS" pitchFamily="66" charset="0"/>
               </a:rPr>
               <a:t> </a:t>
             </a:r>
             <a:r>
-              <a:rPr lang="en-US" sz="6600" b="1">
+              <a:rPr lang="en-US" sz="6600" b="1" dirty="0">
                 <a:solidFill>
                   <a:srgbClr val="FF00FF"/>
                 </a:solidFill>
@@ -6335,13 +6365,13 @@
               <a:t>~</a:t>
             </a:r>
             <a:r>
-              <a:rPr lang="en-US" sz="6600">
+              <a:rPr lang="en-US" sz="6600" dirty="0">
                 <a:latin typeface="Comic Sans MS" pitchFamily="66" charset="0"/>
               </a:rPr>
               <a:t> </a:t>
             </a:r>
             <a:r>
-              <a:rPr lang="en-US" sz="6600">
+              <a:rPr lang="en-US" sz="6600" dirty="0">
                 <a:solidFill>
                   <a:srgbClr val="0033CC"/>
                 </a:solidFill>
@@ -6349,7 +6379,7 @@
               </a:rPr>
               <a:t>g(n) </a:t>
             </a:r>
-            <a:endParaRPr lang="en-US" sz="5400">
+            <a:endParaRPr lang="en-US" sz="5400" dirty="0">
               <a:solidFill>
                 <a:srgbClr val="0033CC"/>
               </a:solidFill>
@@ -6635,16 +6665,28 @@
           <a:p>
             <a:pPr lvl="0"/>
             <a:r>
-              <a:rPr lang="en-US" sz="4800" i="1" dirty="0">
+              <a:rPr lang="en-US" sz="4400" dirty="0">
+                <a:solidFill>
+                  <a:srgbClr val="930093"/>
+                </a:solidFill>
                 <a:latin typeface="+mj-lt"/>
               </a:rPr>
               <a:t>Example</a:t>
+            </a:r>
+            <a:r>
+              <a:rPr lang="en-US" sz="4400" dirty="0" smtClean="0">
+                <a:solidFill>
+                  <a:srgbClr val="930093"/>
+                </a:solidFill>
+                <a:latin typeface="+mj-lt"/>
+              </a:rPr>
+              <a:t>:</a:t>
             </a:r>
             <a:r>
               <a:rPr lang="en-US" sz="4800" i="1" dirty="0" smtClean="0">
                 <a:latin typeface="+mj-lt"/>
               </a:rPr>
-              <a:t>: </a:t>
+              <a:t> </a:t>
             </a:r>
             <a:r>
               <a:rPr lang="en-US" sz="6000" dirty="0" smtClean="0">
@@ -6736,7 +6778,7 @@
         <p:spPr>
           <a:xfrm>
             <a:off x="533400" y="2590800"/>
-            <a:ext cx="1152880" cy="800219"/>
+            <a:ext cx="976199" cy="800219"/>
           </a:xfrm>
           <a:prstGeom prst="rect">
             <a:avLst/>
@@ -6750,18 +6792,27 @@
           <a:lstStyle/>
           <a:p>
             <a:r>
-              <a:rPr lang="en-US" i="1" dirty="0" err="1" smtClean="0">
+              <a:rPr lang="en-US" dirty="0" err="1" smtClean="0">
+                <a:solidFill>
+                  <a:srgbClr val="930093"/>
+                </a:solidFill>
                 <a:latin typeface="+mj-lt"/>
               </a:rPr>
               <a:t>pf</a:t>
             </a:r>
             <a:r>
-              <a:rPr lang="en-US" i="1" dirty="0" smtClean="0">
+              <a:rPr lang="en-US" dirty="0" smtClean="0">
+                <a:solidFill>
+                  <a:srgbClr val="930093"/>
+                </a:solidFill>
                 <a:latin typeface="+mj-lt"/>
               </a:rPr>
               <a:t>: </a:t>
             </a:r>
-            <a:endParaRPr lang="en-US" i="1" dirty="0">
+            <a:endParaRPr lang="en-US" dirty="0">
+              <a:solidFill>
+                <a:srgbClr val="930093"/>
+              </a:solidFill>
               <a:latin typeface="+mj-lt"/>
             </a:endParaRPr>
           </a:p>
@@ -6783,7 +6834,7 @@
           <a:graphicData uri="http://schemas.openxmlformats.org/presentationml/2006/ole">
             <mc:AlternateContent xmlns:mc="http://schemas.openxmlformats.org/markup-compatibility/2006">
               <mc:Choice xmlns:v="urn:schemas-microsoft-com:vml" Requires="v">
-                <p:oleObj spid="_x0000_s100382" name="Equation" r:id="rId5" imgW="1625400" imgH="444240" progId="Equation.DSMT4">
+                <p:oleObj spid="_x0000_s100387" name="Equation" r:id="rId5" imgW="1625400" imgH="444240" progId="Equation.DSMT4">
                   <p:embed/>
                 </p:oleObj>
               </mc:Choice>
@@ -7030,7 +7081,7 @@
           <a:graphicData uri="http://schemas.openxmlformats.org/presentationml/2006/ole">
             <mc:AlternateContent xmlns:mc="http://schemas.openxmlformats.org/markup-compatibility/2006">
               <mc:Choice xmlns:v="urn:schemas-microsoft-com:vml" Requires="v">
-                <p:oleObj spid="_x0000_s15390" name="Equation" r:id="rId5" imgW="1422400" imgH="419100" progId="Equation.3">
+                <p:oleObj spid="_x0000_s15395" name="Equation" r:id="rId5" imgW="1422400" imgH="419100" progId="Equation.3">
                   <p:embed/>
                 </p:oleObj>
               </mc:Choice>
@@ -7110,7 +7161,7 @@
           <a:p>
             <a:pPr eaLnBrk="0" hangingPunct="0"/>
             <a:r>
-              <a:rPr lang="en-US" sz="6000">
+              <a:rPr lang="en-US" sz="6000" dirty="0">
                 <a:solidFill>
                   <a:srgbClr val="0000FF"/>
                 </a:solidFill>
@@ -7119,19 +7170,19 @@
               <a:t>n</a:t>
             </a:r>
             <a:r>
-              <a:rPr lang="en-US" sz="6000" baseline="30000">
+              <a:rPr lang="en-US" sz="6000" baseline="30000" dirty="0">
                 <a:latin typeface="Comic Sans MS" pitchFamily="66" charset="0"/>
               </a:rPr>
               <a:t>th</a:t>
             </a:r>
             <a:r>
-              <a:rPr lang="en-US" sz="6000">
+              <a:rPr lang="en-US" sz="6000" dirty="0">
                 <a:latin typeface="Comic Sans MS" pitchFamily="66" charset="0"/>
               </a:rPr>
               <a:t> </a:t>
             </a:r>
             <a:r>
-              <a:rPr lang="en-US" sz="6000">
+              <a:rPr lang="en-US" sz="6000" dirty="0">
                 <a:solidFill>
                   <a:srgbClr val="FF33CC"/>
                 </a:solidFill>
@@ -7143,13 +7194,13 @@
           <a:p>
             <a:pPr eaLnBrk="0" hangingPunct="0"/>
             <a:r>
-              <a:rPr lang="en-US" sz="6000">
+              <a:rPr lang="en-US" sz="6000" dirty="0">
                 <a:latin typeface="Comic Sans MS" pitchFamily="66" charset="0"/>
               </a:rPr>
               <a:t>        </a:t>
             </a:r>
             <a:r>
-              <a:rPr lang="en-US" sz="7200">
+              <a:rPr lang="en-US" sz="7200" dirty="0" err="1">
                 <a:solidFill>
                   <a:srgbClr val="0000FF"/>
                 </a:solidFill>
@@ -7158,7 +7209,7 @@
               <a:t>B</a:t>
             </a:r>
             <a:r>
-              <a:rPr lang="en-US" sz="7200" baseline="-25000">
+              <a:rPr lang="en-US" sz="7200" baseline="-25000" dirty="0" err="1">
                 <a:solidFill>
                   <a:srgbClr val="0000FF"/>
                 </a:solidFill>
@@ -7167,13 +7218,26 @@
               <a:t>n</a:t>
             </a:r>
             <a:r>
-              <a:rPr lang="en-US" sz="7200">
+              <a:rPr lang="en-US" sz="7200" dirty="0">
                 <a:latin typeface="Comic Sans MS" pitchFamily="66" charset="0"/>
               </a:rPr>
-              <a:t> = </a:t>
-            </a:r>
-            <a:r>
-              <a:rPr lang="en-US" sz="7200">
+              <a:t> </a:t>
+            </a:r>
+            <a:r>
+              <a:rPr lang="en-US" sz="7200" b="1" dirty="0">
+                <a:latin typeface="Euclid Symbol" charset="2"/>
+                <a:cs typeface="Euclid Symbol" charset="2"/>
+              </a:rPr>
+              <a:t>=</a:t>
+            </a:r>
+            <a:r>
+              <a:rPr lang="en-US" sz="7200" dirty="0">
+                <a:latin typeface="Comic Sans MS" pitchFamily="66" charset="0"/>
+              </a:rPr>
+              <a:t> </a:t>
+            </a:r>
+            <a:r>
+              <a:rPr lang="en-US" sz="7200" dirty="0" err="1">
                 <a:solidFill>
                   <a:srgbClr val="0000FF"/>
                 </a:solidFill>
@@ -7182,7 +7246,7 @@
               <a:t>H</a:t>
             </a:r>
             <a:r>
-              <a:rPr lang="en-US" sz="7200" baseline="-25000">
+              <a:rPr lang="en-US" sz="7200" baseline="-25000" dirty="0" err="1">
                 <a:solidFill>
                   <a:srgbClr val="0000FF"/>
                 </a:solidFill>
@@ -7191,7 +7255,7 @@
               <a:t>n</a:t>
             </a:r>
             <a:r>
-              <a:rPr lang="en-US" sz="7200">
+              <a:rPr lang="en-US" sz="7200" dirty="0">
                 <a:solidFill>
                   <a:srgbClr val="0000FF"/>
                 </a:solidFill>
@@ -8789,7 +8853,7 @@
                                           </p:stCondLst>
                                         </p:cTn>
                                         <p:tgtEl>
-                                          <p:spTgt spid="54286"/>
+                                          <p:spTgt spid="54283"/>
                                         </p:tgtEl>
                                         <p:attrNameLst>
                                           <p:attrName>style.visibility</p:attrName>
@@ -8803,7 +8867,7 @@
                                       <p:cBhvr>
                                         <p:cTn id="22" dur="500"/>
                                         <p:tgtEl>
-                                          <p:spTgt spid="54286"/>
+                                          <p:spTgt spid="54283"/>
                                         </p:tgtEl>
                                       </p:cBhvr>
                                     </p:animEffect>
@@ -8824,7 +8888,7 @@
                                           </p:stCondLst>
                                         </p:cTn>
                                         <p:tgtEl>
-                                          <p:spTgt spid="54293"/>
+                                          <p:spTgt spid="54286"/>
                                         </p:tgtEl>
                                         <p:attrNameLst>
                                           <p:attrName>style.visibility</p:attrName>
@@ -8838,7 +8902,7 @@
                                       <p:cBhvr>
                                         <p:cTn id="25" dur="500"/>
                                         <p:tgtEl>
-                                          <p:spTgt spid="54293"/>
+                                          <p:spTgt spid="54286"/>
                                         </p:tgtEl>
                                       </p:cBhvr>
                                     </p:animEffect>
@@ -8859,7 +8923,7 @@
                                           </p:stCondLst>
                                         </p:cTn>
                                         <p:tgtEl>
-                                          <p:spTgt spid="54296"/>
+                                          <p:spTgt spid="54293"/>
                                         </p:tgtEl>
                                         <p:attrNameLst>
                                           <p:attrName>style.visibility</p:attrName>
@@ -8873,7 +8937,7 @@
                                       <p:cBhvr>
                                         <p:cTn id="28" dur="500"/>
                                         <p:tgtEl>
-                                          <p:spTgt spid="54296"/>
+                                          <p:spTgt spid="54293"/>
                                         </p:tgtEl>
                                       </p:cBhvr>
                                     </p:animEffect>
@@ -8894,7 +8958,7 @@
                                           </p:stCondLst>
                                         </p:cTn>
                                         <p:tgtEl>
-                                          <p:spTgt spid="54294"/>
+                                          <p:spTgt spid="54296"/>
                                         </p:tgtEl>
                                         <p:attrNameLst>
                                           <p:attrName>style.visibility</p:attrName>
@@ -8908,7 +8972,7 @@
                                       <p:cBhvr>
                                         <p:cTn id="31" dur="500"/>
                                         <p:tgtEl>
-                                          <p:spTgt spid="54294"/>
+                                          <p:spTgt spid="54296"/>
                                         </p:tgtEl>
                                       </p:cBhvr>
                                     </p:animEffect>
@@ -8929,7 +8993,7 @@
                                           </p:stCondLst>
                                         </p:cTn>
                                         <p:tgtEl>
-                                          <p:spTgt spid="54283"/>
+                                          <p:spTgt spid="54294"/>
                                         </p:tgtEl>
                                         <p:attrNameLst>
                                           <p:attrName>style.visibility</p:attrName>
@@ -8943,7 +9007,7 @@
                                       <p:cBhvr>
                                         <p:cTn id="34" dur="500"/>
                                         <p:tgtEl>
-                                          <p:spTgt spid="54283"/>
+                                          <p:spTgt spid="54294"/>
                                         </p:tgtEl>
                                       </p:cBhvr>
                                     </p:animEffect>
@@ -8969,7 +9033,7 @@
                             </p:stCondLst>
                             <p:childTnLst>
                               <p:par>
-                                <p:cTn id="37" presetID="22" presetClass="entr" presetSubtype="8" fill="hold" grpId="0" nodeType="clickEffect">
+                                <p:cTn id="37" presetID="22" presetClass="entr" presetSubtype="1" fill="hold" grpId="0" nodeType="clickEffect">
                                   <p:stCondLst>
                                     <p:cond delay="0"/>
                                   </p:stCondLst>
@@ -8977,6 +9041,59 @@
                                     <p:set>
                                       <p:cBhvr>
                                         <p:cTn id="38" dur="1" fill="hold">
+                                          <p:stCondLst>
+                                            <p:cond delay="0"/>
+                                          </p:stCondLst>
+                                        </p:cTn>
+                                        <p:tgtEl>
+                                          <p:spTgt spid="54284"/>
+                                        </p:tgtEl>
+                                        <p:attrNameLst>
+                                          <p:attrName>style.visibility</p:attrName>
+                                        </p:attrNameLst>
+                                      </p:cBhvr>
+                                      <p:to>
+                                        <p:strVal val="visible"/>
+                                      </p:to>
+                                    </p:set>
+                                    <p:animEffect transition="in" filter="wipe(up)">
+                                      <p:cBhvr>
+                                        <p:cTn id="39" dur="1000"/>
+                                        <p:tgtEl>
+                                          <p:spTgt spid="54284"/>
+                                        </p:tgtEl>
+                                      </p:cBhvr>
+                                    </p:animEffect>
+                                  </p:childTnLst>
+                                </p:cTn>
+                              </p:par>
+                            </p:childTnLst>
+                          </p:cTn>
+                        </p:par>
+                      </p:childTnLst>
+                    </p:cTn>
+                  </p:par>
+                  <p:par>
+                    <p:cTn id="40" fill="hold">
+                      <p:stCondLst>
+                        <p:cond delay="indefinite"/>
+                      </p:stCondLst>
+                      <p:childTnLst>
+                        <p:par>
+                          <p:cTn id="41" fill="hold">
+                            <p:stCondLst>
+                              <p:cond delay="0"/>
+                            </p:stCondLst>
+                            <p:childTnLst>
+                              <p:par>
+                                <p:cTn id="42" presetID="22" presetClass="entr" presetSubtype="2" fill="hold" grpId="0" nodeType="clickEffect">
+                                  <p:stCondLst>
+                                    <p:cond delay="0"/>
+                                  </p:stCondLst>
+                                  <p:childTnLst>
+                                    <p:set>
+                                      <p:cBhvr>
+                                        <p:cTn id="43" dur="1" fill="hold">
                                           <p:stCondLst>
                                             <p:cond delay="0"/>
                                           </p:stCondLst>
@@ -8992,9 +9109,9 @@
                                         <p:strVal val="visible"/>
                                       </p:to>
                                     </p:set>
-                                    <p:animEffect transition="in" filter="wipe(left)">
+                                    <p:animEffect transition="in" filter="wipe(right)">
                                       <p:cBhvr>
-                                        <p:cTn id="39" dur="1000"/>
+                                        <p:cTn id="44" dur="500"/>
                                         <p:tgtEl>
                                           <p:spTgt spid="54289"/>
                                         </p:tgtEl>
@@ -9004,14 +9121,58 @@
                                 </p:cTn>
                               </p:par>
                               <p:par>
-                                <p:cTn id="40" presetID="22" presetClass="entr" presetSubtype="8" fill="hold" grpId="0" nodeType="withEffect">
+                                <p:cTn id="45" presetID="22" presetClass="entr" presetSubtype="2" fill="hold" grpId="0" nodeType="withEffect">
                                   <p:stCondLst>
                                     <p:cond delay="0"/>
                                   </p:stCondLst>
                                   <p:childTnLst>
                                     <p:set>
                                       <p:cBhvr>
-                                        <p:cTn id="41" dur="1" fill="hold">
+                                        <p:cTn id="46" dur="1" fill="hold">
+                                          <p:stCondLst>
+                                            <p:cond delay="0"/>
+                                          </p:stCondLst>
+                                        </p:cTn>
+                                        <p:tgtEl>
+                                          <p:spTgt spid="54290"/>
+                                        </p:tgtEl>
+                                        <p:attrNameLst>
+                                          <p:attrName>style.visibility</p:attrName>
+                                        </p:attrNameLst>
+                                      </p:cBhvr>
+                                      <p:to>
+                                        <p:strVal val="visible"/>
+                                      </p:to>
+                                    </p:set>
+                                    <p:animEffect transition="in" filter="wipe(right)">
+                                      <p:cBhvr>
+                                        <p:cTn id="47" dur="500"/>
+                                        <p:tgtEl>
+                                          <p:spTgt spid="54290"/>
+                                        </p:tgtEl>
+                                      </p:cBhvr>
+                                    </p:animEffect>
+                                  </p:childTnLst>
+                                </p:cTn>
+                              </p:par>
+                            </p:childTnLst>
+                          </p:cTn>
+                        </p:par>
+                        <p:par>
+                          <p:cTn id="48" fill="hold">
+                            <p:stCondLst>
+                              <p:cond delay="500"/>
+                            </p:stCondLst>
+                            <p:childTnLst>
+                              <p:par>
+                                <p:cTn id="49" presetID="22" presetClass="entr" presetSubtype="2" fill="hold" grpId="0" nodeType="afterEffect">
+                                  <p:stCondLst>
+                                    <p:cond delay="0"/>
+                                  </p:stCondLst>
+                                  <p:childTnLst>
+                                    <p:set>
+                                      <p:cBhvr>
+                                        <p:cTn id="50" dur="1" fill="hold">
                                           <p:stCondLst>
                                             <p:cond delay="0"/>
                                           </p:stCondLst>
@@ -9027,81 +9188,11 @@
                                         <p:strVal val="visible"/>
                                       </p:to>
                                     </p:set>
-                                    <p:animEffect transition="in" filter="wipe(left)">
+                                    <p:animEffect transition="in" filter="wipe(right)">
                                       <p:cBhvr>
-                                        <p:cTn id="42" dur="1000"/>
+                                        <p:cTn id="51" dur="1000"/>
                                         <p:tgtEl>
                                           <p:spTgt spid="54292"/>
-                                        </p:tgtEl>
-                                      </p:cBhvr>
-                                    </p:animEffect>
-                                  </p:childTnLst>
-                                </p:cTn>
-                              </p:par>
-                              <p:par>
-                                <p:cTn id="43" presetID="22" presetClass="entr" presetSubtype="8" fill="hold" grpId="0" nodeType="withEffect">
-                                  <p:stCondLst>
-                                    <p:cond delay="0"/>
-                                  </p:stCondLst>
-                                  <p:childTnLst>
-                                    <p:set>
-                                      <p:cBhvr>
-                                        <p:cTn id="44" dur="1" fill="hold">
-                                          <p:stCondLst>
-                                            <p:cond delay="0"/>
-                                          </p:stCondLst>
-                                        </p:cTn>
-                                        <p:tgtEl>
-                                          <p:spTgt spid="54284"/>
-                                        </p:tgtEl>
-                                        <p:attrNameLst>
-                                          <p:attrName>style.visibility</p:attrName>
-                                        </p:attrNameLst>
-                                      </p:cBhvr>
-                                      <p:to>
-                                        <p:strVal val="visible"/>
-                                      </p:to>
-                                    </p:set>
-                                    <p:animEffect transition="in" filter="wipe(left)">
-                                      <p:cBhvr>
-                                        <p:cTn id="45" dur="1000"/>
-                                        <p:tgtEl>
-                                          <p:spTgt spid="54284"/>
-                                        </p:tgtEl>
-                                      </p:cBhvr>
-                                    </p:animEffect>
-                                  </p:childTnLst>
-                                </p:cTn>
-                              </p:par>
-                              <p:par>
-                                <p:cTn id="46" presetID="22" presetClass="entr" presetSubtype="8" fill="hold" grpId="0" nodeType="withEffect">
-                                  <p:stCondLst>
-                                    <p:cond delay="0"/>
-                                  </p:stCondLst>
-                                  <p:childTnLst>
-                                    <p:set>
-                                      <p:cBhvr>
-                                        <p:cTn id="47" dur="1" fill="hold">
-                                          <p:stCondLst>
-                                            <p:cond delay="0"/>
-                                          </p:stCondLst>
-                                        </p:cTn>
-                                        <p:tgtEl>
-                                          <p:spTgt spid="54290"/>
-                                        </p:tgtEl>
-                                        <p:attrNameLst>
-                                          <p:attrName>style.visibility</p:attrName>
-                                        </p:attrNameLst>
-                                      </p:cBhvr>
-                                      <p:to>
-                                        <p:strVal val="visible"/>
-                                      </p:to>
-                                    </p:set>
-                                    <p:animEffect transition="in" filter="wipe(left)">
-                                      <p:cBhvr>
-                                        <p:cTn id="48" dur="1000"/>
-                                        <p:tgtEl>
-                                          <p:spTgt spid="54290"/>
                                         </p:tgtEl>
                                       </p:cBhvr>
                                     </p:animEffect>
@@ -9328,7 +9419,7 @@
           <a:graphicData uri="http://schemas.openxmlformats.org/presentationml/2006/ole">
             <mc:AlternateContent xmlns:mc="http://schemas.openxmlformats.org/markup-compatibility/2006">
               <mc:Choice xmlns:v="urn:schemas-microsoft-com:vml" Requires="v">
-                <p:oleObj spid="_x0000_s102431" name="Equation" r:id="rId5" imgW="1943100" imgH="495300" progId="Equation.DSMT4">
+                <p:oleObj spid="_x0000_s102437" name="Equation" r:id="rId5" imgW="1943100" imgH="495300" progId="Equation.DSMT4">
                   <p:embed/>
                 </p:oleObj>
               </mc:Choice>
@@ -9390,12 +9481,16 @@
   <p:clrMapOvr>
     <a:masterClrMapping/>
   </p:clrMapOvr>
-  <mc:AlternateContent xmlns:mc="http://schemas.openxmlformats.org/markup-compatibility/2006" xmlns:p14="http://schemas.microsoft.com/office/powerpoint/2010/main">
-    <mc:Choice Requires="p14">
-      <p:transition spd="slow" p14:dur="2000" advTm="36412"/>
+  <mc:AlternateContent xmlns:mc="http://schemas.openxmlformats.org/markup-compatibility/2006">
+    <mc:Choice xmlns:p14="http://schemas.microsoft.com/office/powerpoint/2010/main" Requires="p14">
+      <p:transition spd="slow" p14:dur="1200" advTm="36412">
+        <p:fade/>
+      </p:transition>
     </mc:Choice>
-    <mc:Fallback xmlns="">
-      <p:transition xmlns:p14="http://schemas.microsoft.com/office/powerpoint/2010/main" spd="slow" advTm="36412"/>
+    <mc:Fallback>
+      <p:transition xmlns:p14="http://schemas.microsoft.com/office/powerpoint/2010/main" spd="slow" advTm="36412">
+        <p:fade/>
+      </p:transition>
     </mc:Fallback>
   </mc:AlternateContent>
   <p:timing>
@@ -9584,7 +9679,7 @@
           <a:graphicData uri="http://schemas.openxmlformats.org/presentationml/2006/ole">
             <mc:AlternateContent xmlns:mc="http://schemas.openxmlformats.org/markup-compatibility/2006">
               <mc:Choice xmlns:v="urn:schemas-microsoft-com:vml" Requires="v">
-                <p:oleObj spid="_x0000_s16412" name="Equation" r:id="rId4" imgW="1651000" imgH="1181100" progId="Equation.3">
+                <p:oleObj spid="_x0000_s16417" name="Equation" r:id="rId4" imgW="1651000" imgH="1181100" progId="Equation.3">
                   <p:embed/>
                 </p:oleObj>
               </mc:Choice>
@@ -9701,7 +9796,18 @@
   <p:clrMapOvr>
     <a:masterClrMapping/>
   </p:clrMapOvr>
-  <p:transition xmlns:p14="http://schemas.microsoft.com/office/powerpoint/2010/main"/>
+  <mc:AlternateContent xmlns:mc="http://schemas.openxmlformats.org/markup-compatibility/2006">
+    <mc:Choice xmlns:p14="http://schemas.microsoft.com/office/powerpoint/2010/main" Requires="p14">
+      <p:transition spd="med" p14:dur="700">
+        <p:fade/>
+      </p:transition>
+    </mc:Choice>
+    <mc:Fallback>
+      <p:transition xmlns:p14="http://schemas.microsoft.com/office/powerpoint/2010/main" spd="med">
+        <p:fade/>
+      </p:transition>
+    </mc:Fallback>
+  </mc:AlternateContent>
   <p:timing>
     <p:tnLst>
       <p:par>
@@ -9830,7 +9936,7 @@
           <a:graphicData uri="http://schemas.openxmlformats.org/presentationml/2006/ole">
             <mc:AlternateContent xmlns:mc="http://schemas.openxmlformats.org/markup-compatibility/2006">
               <mc:Choice xmlns:v="urn:schemas-microsoft-com:vml" Requires="v">
-                <p:oleObj spid="_x0000_s103470" name="Equation" r:id="rId4" imgW="1816100" imgH="495300" progId="Equation.3">
+                <p:oleObj spid="_x0000_s103479" name="Equation" r:id="rId4" imgW="1816100" imgH="495300" progId="Equation.3">
                   <p:embed/>
                 </p:oleObj>
               </mc:Choice>
@@ -9894,7 +10000,7 @@
           <a:graphicData uri="http://schemas.openxmlformats.org/presentationml/2006/ole">
             <mc:AlternateContent xmlns:mc="http://schemas.openxmlformats.org/markup-compatibility/2006">
               <mc:Choice xmlns:v="urn:schemas-microsoft-com:vml" Requires="v">
-                <p:oleObj spid="_x0000_s103471" name="Equation" r:id="rId6" imgW="914400" imgH="469800" progId="Equation.DSMT4">
+                <p:oleObj spid="_x0000_s103480" name="Equation" r:id="rId6" imgW="914400" imgH="469800" progId="Equation.DSMT4">
                   <p:embed/>
                 </p:oleObj>
               </mc:Choice>
@@ -10116,7 +10222,18 @@
   <p:clrMapOvr>
     <a:masterClrMapping/>
   </p:clrMapOvr>
-  <p:transition xmlns:p14="http://schemas.microsoft.com/office/powerpoint/2010/main"/>
+  <mc:AlternateContent xmlns:mc="http://schemas.openxmlformats.org/markup-compatibility/2006">
+    <mc:Choice xmlns:p14="http://schemas.microsoft.com/office/powerpoint/2010/main" Requires="p14">
+      <p:transition spd="med" p14:dur="700">
+        <p:fade/>
+      </p:transition>
+    </mc:Choice>
+    <mc:Fallback>
+      <p:transition xmlns:p14="http://schemas.microsoft.com/office/powerpoint/2010/main" spd="med">
+        <p:fade/>
+      </p:transition>
+    </mc:Fallback>
+  </mc:AlternateContent>
   <p:timing>
     <p:tnLst>
       <p:par>
@@ -10746,7 +10863,7 @@
                             </p:stCondLst>
                             <p:childTnLst>
                               <p:par>
-                                <p:cTn id="5" presetID="1" presetClass="entr" presetSubtype="0" fill="hold" nodeType="clickEffect">
+                                <p:cTn id="5" presetID="9" presetClass="entr" presetSubtype="0" fill="hold" nodeType="clickEffect">
                                   <p:stCondLst>
                                     <p:cond delay="0"/>
                                   </p:stCondLst>
@@ -10773,6 +10890,18 @@
                                         <p:strVal val="visible"/>
                                       </p:to>
                                     </p:set>
+                                    <p:animEffect transition="in" filter="dissolve">
+                                      <p:cBhvr>
+                                        <p:cTn id="7" dur="500"/>
+                                        <p:tgtEl>
+                                          <p:spTgt spid="87043">
+                                            <p:txEl>
+                                              <p:pRg st="2" end="2"/>
+                                            </p:txEl>
+                                          </p:spTgt>
+                                        </p:tgtEl>
+                                      </p:cBhvr>
+                                    </p:animEffect>
                                   </p:childTnLst>
                                 </p:cTn>
                               </p:par>
@@ -10783,26 +10912,26 @@
                     </p:cTn>
                   </p:par>
                   <p:par>
-                    <p:cTn id="7" fill="hold">
+                    <p:cTn id="8" fill="hold">
                       <p:stCondLst>
                         <p:cond delay="indefinite"/>
                       </p:stCondLst>
                       <p:childTnLst>
                         <p:par>
-                          <p:cTn id="8" fill="hold">
+                          <p:cTn id="9" fill="hold">
                             <p:stCondLst>
                               <p:cond delay="0"/>
                             </p:stCondLst>
                             <p:childTnLst>
                               <p:par>
-                                <p:cTn id="9" presetID="1" presetClass="entr" presetSubtype="0" fill="hold" nodeType="clickEffect">
+                                <p:cTn id="10" presetID="22" presetClass="entr" presetSubtype="8" fill="hold" nodeType="clickEffect">
                                   <p:stCondLst>
                                     <p:cond delay="0"/>
                                   </p:stCondLst>
                                   <p:childTnLst>
                                     <p:set>
                                       <p:cBhvr>
-                                        <p:cTn id="10" dur="1" fill="hold">
+                                        <p:cTn id="11" dur="1" fill="hold">
                                           <p:stCondLst>
                                             <p:cond delay="0"/>
                                           </p:stCondLst>
@@ -10822,6 +10951,18 @@
                                         <p:strVal val="visible"/>
                                       </p:to>
                                     </p:set>
+                                    <p:animEffect transition="in" filter="wipe(left)">
+                                      <p:cBhvr>
+                                        <p:cTn id="12" dur="500"/>
+                                        <p:tgtEl>
+                                          <p:spTgt spid="87043">
+                                            <p:txEl>
+                                              <p:pRg st="3" end="3"/>
+                                            </p:txEl>
+                                          </p:spTgt>
+                                        </p:tgtEl>
+                                      </p:cBhvr>
+                                    </p:animEffect>
                                   </p:childTnLst>
                                 </p:cTn>
                               </p:par>
@@ -10832,26 +10973,26 @@
                     </p:cTn>
                   </p:par>
                   <p:par>
-                    <p:cTn id="11" fill="hold">
+                    <p:cTn id="13" fill="hold">
                       <p:stCondLst>
                         <p:cond delay="indefinite"/>
                       </p:stCondLst>
                       <p:childTnLst>
                         <p:par>
-                          <p:cTn id="12" fill="hold">
+                          <p:cTn id="14" fill="hold">
                             <p:stCondLst>
                               <p:cond delay="0"/>
                             </p:stCondLst>
                             <p:childTnLst>
                               <p:par>
-                                <p:cTn id="13" presetID="9" presetClass="entr" presetSubtype="0" fill="hold" nodeType="clickEffect">
+                                <p:cTn id="15" presetID="9" presetClass="entr" presetSubtype="0" fill="hold" nodeType="clickEffect">
                                   <p:stCondLst>
                                     <p:cond delay="0"/>
                                   </p:stCondLst>
                                   <p:childTnLst>
                                     <p:set>
                                       <p:cBhvr>
-                                        <p:cTn id="14" dur="1" fill="hold">
+                                        <p:cTn id="16" dur="1" fill="hold">
                                           <p:stCondLst>
                                             <p:cond delay="0"/>
                                           </p:stCondLst>
@@ -10873,7 +11014,7 @@
                                     </p:set>
                                     <p:animEffect transition="in" filter="dissolve">
                                       <p:cBhvr>
-                                        <p:cTn id="15" dur="500"/>
+                                        <p:cTn id="17" dur="500"/>
                                         <p:tgtEl>
                                           <p:spTgt spid="87043">
                                             <p:txEl>
@@ -10890,20 +11031,20 @@
                           </p:cTn>
                         </p:par>
                         <p:par>
-                          <p:cTn id="16" fill="hold">
+                          <p:cTn id="18" fill="hold">
                             <p:stCondLst>
                               <p:cond delay="500"/>
                             </p:stCondLst>
                             <p:childTnLst>
                               <p:par>
-                                <p:cTn id="17" presetID="9" presetClass="entr" presetSubtype="0" fill="hold" nodeType="afterEffect">
+                                <p:cTn id="19" presetID="9" presetClass="entr" presetSubtype="0" fill="hold" nodeType="afterEffect">
                                   <p:stCondLst>
                                     <p:cond delay="0"/>
                                   </p:stCondLst>
                                   <p:childTnLst>
                                     <p:set>
                                       <p:cBhvr>
-                                        <p:cTn id="18" dur="1" fill="hold">
+                                        <p:cTn id="20" dur="1" fill="hold">
                                           <p:stCondLst>
                                             <p:cond delay="0"/>
                                           </p:stCondLst>
@@ -10925,7 +11066,7 @@
                                     </p:set>
                                     <p:animEffect transition="in" filter="dissolve">
                                       <p:cBhvr>
-                                        <p:cTn id="19" dur="500"/>
+                                        <p:cTn id="21" dur="500"/>
                                         <p:tgtEl>
                                           <p:spTgt spid="87043">
                                             <p:txEl>
@@ -11176,7 +11317,7 @@
                             </p:stCondLst>
                             <p:childTnLst>
                               <p:par>
-                                <p:cTn id="5" presetID="1" presetClass="entr" presetSubtype="0" fill="hold" nodeType="clickEffect">
+                                <p:cTn id="5" presetID="9" presetClass="entr" presetSubtype="0" fill="hold" nodeType="clickEffect">
                                   <p:stCondLst>
                                     <p:cond delay="0"/>
                                   </p:stCondLst>
@@ -11203,18 +11344,30 @@
                                         <p:strVal val="visible"/>
                                       </p:to>
                                     </p:set>
+                                    <p:animEffect transition="in" filter="dissolve">
+                                      <p:cBhvr>
+                                        <p:cTn id="7" dur="500"/>
+                                        <p:tgtEl>
+                                          <p:spTgt spid="69636">
+                                            <p:txEl>
+                                              <p:pRg st="1" end="1"/>
+                                            </p:txEl>
+                                          </p:spTgt>
+                                        </p:tgtEl>
+                                      </p:cBhvr>
+                                    </p:animEffect>
                                   </p:childTnLst>
                                 </p:cTn>
                               </p:par>
                               <p:par>
-                                <p:cTn id="7" presetID="1" presetClass="entr" presetSubtype="0" fill="hold" nodeType="withEffect">
+                                <p:cTn id="8" presetID="9" presetClass="entr" presetSubtype="0" fill="hold" nodeType="withEffect">
                                   <p:stCondLst>
                                     <p:cond delay="0"/>
                                   </p:stCondLst>
                                   <p:childTnLst>
                                     <p:set>
                                       <p:cBhvr>
-                                        <p:cTn id="8" dur="1" fill="hold">
+                                        <p:cTn id="9" dur="1" fill="hold">
                                           <p:stCondLst>
                                             <p:cond delay="0"/>
                                           </p:stCondLst>
@@ -11234,6 +11387,18 @@
                                         <p:strVal val="visible"/>
                                       </p:to>
                                     </p:set>
+                                    <p:animEffect transition="in" filter="dissolve">
+                                      <p:cBhvr>
+                                        <p:cTn id="10" dur="500"/>
+                                        <p:tgtEl>
+                                          <p:spTgt spid="69636">
+                                            <p:txEl>
+                                              <p:pRg st="2" end="2"/>
+                                            </p:txEl>
+                                          </p:spTgt>
+                                        </p:tgtEl>
+                                      </p:cBhvr>
+                                    </p:animEffect>
                                   </p:childTnLst>
                                 </p:cTn>
                               </p:par>

--- a/spring12/slidesS12/integral-estimate.pptx
+++ b/spring12/slidesS12/integral-estimate.pptx
@@ -4119,13 +4119,13 @@
   <p:clrMapOvr>
     <a:masterClrMapping/>
   </p:clrMapOvr>
-  <mc:AlternateContent xmlns:mc="http://schemas.openxmlformats.org/markup-compatibility/2006">
-    <mc:Choice xmlns:p14="http://schemas.microsoft.com/office/powerpoint/2010/main" Requires="p14">
+  <mc:AlternateContent xmlns:mc="http://schemas.openxmlformats.org/markup-compatibility/2006" xmlns:p14="http://schemas.microsoft.com/office/powerpoint/2010/main">
+    <mc:Choice Requires="p14">
       <p:transition spd="med" p14:dur="700" advTm="5865">
         <p:fade/>
       </p:transition>
     </mc:Choice>
-    <mc:Fallback>
+    <mc:Fallback xmlns="">
       <p:transition xmlns:p14="http://schemas.microsoft.com/office/powerpoint/2010/main" spd="med" advTm="5865">
         <p:fade/>
       </p:transition>
@@ -4209,13 +4209,13 @@
   <p:clrMapOvr>
     <a:masterClrMapping/>
   </p:clrMapOvr>
-  <mc:AlternateContent xmlns:mc="http://schemas.openxmlformats.org/markup-compatibility/2006">
-    <mc:Choice xmlns:p14="http://schemas.microsoft.com/office/powerpoint/2010/main" Requires="p14">
+  <mc:AlternateContent xmlns:mc="http://schemas.openxmlformats.org/markup-compatibility/2006" xmlns:p14="http://schemas.microsoft.com/office/powerpoint/2010/main">
+    <mc:Choice Requires="p14">
       <p:transition spd="med" p14:dur="700">
         <p:fade/>
       </p:transition>
     </mc:Choice>
-    <mc:Fallback>
+    <mc:Fallback xmlns="">
       <p:transition xmlns:p14="http://schemas.microsoft.com/office/powerpoint/2010/main" spd="med">
         <p:fade/>
       </p:transition>
@@ -5308,7 +5308,7 @@
           <a:graphicData uri="http://schemas.openxmlformats.org/presentationml/2006/ole">
             <mc:AlternateContent xmlns:mc="http://schemas.openxmlformats.org/markup-compatibility/2006">
               <mc:Choice xmlns:v="urn:schemas-microsoft-com:vml" Requires="v">
-                <p:oleObj spid="_x0000_s104483" name="Equation" r:id="rId5" imgW="164880" imgH="419040" progId="Equation.DSMT4">
+                <p:oleObj spid="_x0000_s104485" name="Equation" r:id="rId5" imgW="164880" imgH="419040" progId="Equation.DSMT4">
                   <p:embed/>
                 </p:oleObj>
               </mc:Choice>
@@ -5370,13 +5370,13 @@
   <p:clrMapOvr>
     <a:masterClrMapping/>
   </p:clrMapOvr>
-  <mc:AlternateContent xmlns:mc="http://schemas.openxmlformats.org/markup-compatibility/2006" xmlns:p14="http://schemas.microsoft.com/office/powerpoint/2010/main">
-    <mc:Choice Requires="p14">
-      <p:transition spd="slow" p14:dur="800" advTm="39015">
+  <mc:AlternateContent xmlns:mc="http://schemas.openxmlformats.org/markup-compatibility/2006">
+    <mc:Choice xmlns:p14="http://schemas.microsoft.com/office/powerpoint/2010/main" Requires="p14">
+      <p:transition spd="slow" p14:dur="1300" advTm="39015">
         <p:fade thruBlk="1"/>
       </p:transition>
     </mc:Choice>
-    <mc:Fallback xmlns="">
+    <mc:Fallback>
       <p:transition xmlns:p14="http://schemas.microsoft.com/office/powerpoint/2010/main" spd="slow" advTm="39015">
         <p:fade thruBlk="1"/>
       </p:transition>
@@ -5602,7 +5602,7 @@
           <a:graphicData uri="http://schemas.openxmlformats.org/presentationml/2006/ole">
             <mc:AlternateContent xmlns:mc="http://schemas.openxmlformats.org/markup-compatibility/2006">
               <mc:Choice xmlns:v="urn:schemas-microsoft-com:vml" Requires="v">
-                <p:oleObj spid="_x0000_s105506" name="Equation" r:id="rId4" imgW="1091880" imgH="711000" progId="Equation.DSMT4">
+                <p:oleObj spid="_x0000_s105508" name="Equation" r:id="rId4" imgW="1091880" imgH="711000" progId="Equation.DSMT4">
                   <p:embed/>
                 </p:oleObj>
               </mc:Choice>
@@ -6235,7 +6235,7 @@
           <a:graphicData uri="http://schemas.openxmlformats.org/presentationml/2006/ole">
             <mc:AlternateContent xmlns:mc="http://schemas.openxmlformats.org/markup-compatibility/2006">
               <mc:Choice xmlns:v="urn:schemas-microsoft-com:vml" Requires="v">
-                <p:oleObj spid="_x0000_s24611" name="Equation" r:id="rId5" imgW="1104840" imgH="482400" progId="Equation.DSMT4">
+                <p:oleObj spid="_x0000_s24613" name="Equation" r:id="rId5" imgW="1104840" imgH="482400" progId="Equation.DSMT4">
                   <p:embed/>
                 </p:oleObj>
               </mc:Choice>
@@ -6834,7 +6834,7 @@
           <a:graphicData uri="http://schemas.openxmlformats.org/presentationml/2006/ole">
             <mc:AlternateContent xmlns:mc="http://schemas.openxmlformats.org/markup-compatibility/2006">
               <mc:Choice xmlns:v="urn:schemas-microsoft-com:vml" Requires="v">
-                <p:oleObj spid="_x0000_s100387" name="Equation" r:id="rId5" imgW="1625400" imgH="444240" progId="Equation.DSMT4">
+                <p:oleObj spid="_x0000_s100389" name="Equation" r:id="rId5" imgW="1625400" imgH="444240" progId="Equation.DSMT4">
                   <p:embed/>
                 </p:oleObj>
               </mc:Choice>
@@ -7081,7 +7081,7 @@
           <a:graphicData uri="http://schemas.openxmlformats.org/presentationml/2006/ole">
             <mc:AlternateContent xmlns:mc="http://schemas.openxmlformats.org/markup-compatibility/2006">
               <mc:Choice xmlns:v="urn:schemas-microsoft-com:vml" Requires="v">
-                <p:oleObj spid="_x0000_s15395" name="Equation" r:id="rId5" imgW="1422400" imgH="419100" progId="Equation.3">
+                <p:oleObj spid="_x0000_s15397" name="Equation" r:id="rId5" imgW="1422400" imgH="419100" progId="Equation.3">
                   <p:embed/>
                 </p:oleObj>
               </mc:Choice>
@@ -7329,152 +7329,7 @@
   <p:timing>
     <p:tnLst>
       <p:par>
-        <p:cTn xmlns:p14="http://schemas.microsoft.com/office/powerpoint/2010/main" id="1" dur="indefinite" restart="never" nodeType="tmRoot">
-          <p:childTnLst>
-            <p:seq concurrent="1" nextAc="seek">
-              <p:cTn id="2" dur="indefinite" nodeType="mainSeq">
-                <p:childTnLst>
-                  <p:par>
-                    <p:cTn id="3" fill="hold">
-                      <p:stCondLst>
-                        <p:cond delay="indefinite"/>
-                      </p:stCondLst>
-                      <p:childTnLst>
-                        <p:par>
-                          <p:cTn id="4" fill="hold">
-                            <p:stCondLst>
-                              <p:cond delay="0"/>
-                            </p:stCondLst>
-                            <p:childTnLst>
-                              <p:par>
-                                <p:cTn id="5" presetID="9" presetClass="entr" presetSubtype="0" fill="hold" nodeType="clickEffect">
-                                  <p:stCondLst>
-                                    <p:cond delay="0"/>
-                                  </p:stCondLst>
-                                  <p:childTnLst>
-                                    <p:set>
-                                      <p:cBhvr>
-                                        <p:cTn id="6" dur="1" fill="hold">
-                                          <p:stCondLst>
-                                            <p:cond delay="0"/>
-                                          </p:stCondLst>
-                                        </p:cTn>
-                                        <p:tgtEl>
-                                          <p:spTgt spid="82949">
-                                            <p:txEl>
-                                              <p:pRg st="0" end="0"/>
-                                            </p:txEl>
-                                          </p:spTgt>
-                                        </p:tgtEl>
-                                        <p:attrNameLst>
-                                          <p:attrName>style.visibility</p:attrName>
-                                        </p:attrNameLst>
-                                      </p:cBhvr>
-                                      <p:to>
-                                        <p:strVal val="visible"/>
-                                      </p:to>
-                                    </p:set>
-                                    <p:animEffect transition="in" filter="dissolve">
-                                      <p:cBhvr>
-                                        <p:cTn id="7" dur="500"/>
-                                        <p:tgtEl>
-                                          <p:spTgt spid="82949">
-                                            <p:txEl>
-                                              <p:pRg st="0" end="0"/>
-                                            </p:txEl>
-                                          </p:spTgt>
-                                        </p:tgtEl>
-                                      </p:cBhvr>
-                                    </p:animEffect>
-                                  </p:childTnLst>
-                                </p:cTn>
-                              </p:par>
-                            </p:childTnLst>
-                          </p:cTn>
-                        </p:par>
-                      </p:childTnLst>
-                    </p:cTn>
-                  </p:par>
-                  <p:par>
-                    <p:cTn id="8" fill="hold">
-                      <p:stCondLst>
-                        <p:cond delay="indefinite"/>
-                      </p:stCondLst>
-                      <p:childTnLst>
-                        <p:par>
-                          <p:cTn id="9" fill="hold">
-                            <p:stCondLst>
-                              <p:cond delay="0"/>
-                            </p:stCondLst>
-                            <p:childTnLst>
-                              <p:par>
-                                <p:cTn id="10" presetID="9" presetClass="entr" presetSubtype="0" fill="hold" nodeType="clickEffect">
-                                  <p:stCondLst>
-                                    <p:cond delay="0"/>
-                                  </p:stCondLst>
-                                  <p:childTnLst>
-                                    <p:set>
-                                      <p:cBhvr>
-                                        <p:cTn id="11" dur="1" fill="hold">
-                                          <p:stCondLst>
-                                            <p:cond delay="0"/>
-                                          </p:stCondLst>
-                                        </p:cTn>
-                                        <p:tgtEl>
-                                          <p:spTgt spid="82949">
-                                            <p:txEl>
-                                              <p:pRg st="1" end="1"/>
-                                            </p:txEl>
-                                          </p:spTgt>
-                                        </p:tgtEl>
-                                        <p:attrNameLst>
-                                          <p:attrName>style.visibility</p:attrName>
-                                        </p:attrNameLst>
-                                      </p:cBhvr>
-                                      <p:to>
-                                        <p:strVal val="visible"/>
-                                      </p:to>
-                                    </p:set>
-                                    <p:animEffect transition="in" filter="dissolve">
-                                      <p:cBhvr>
-                                        <p:cTn id="12" dur="500"/>
-                                        <p:tgtEl>
-                                          <p:spTgt spid="82949">
-                                            <p:txEl>
-                                              <p:pRg st="1" end="1"/>
-                                            </p:txEl>
-                                          </p:spTgt>
-                                        </p:tgtEl>
-                                      </p:cBhvr>
-                                    </p:animEffect>
-                                  </p:childTnLst>
-                                </p:cTn>
-                              </p:par>
-                            </p:childTnLst>
-                          </p:cTn>
-                        </p:par>
-                      </p:childTnLst>
-                    </p:cTn>
-                  </p:par>
-                </p:childTnLst>
-              </p:cTn>
-              <p:prevCondLst>
-                <p:cond evt="onPrev" delay="0">
-                  <p:tgtEl>
-                    <p:sldTgt/>
-                  </p:tgtEl>
-                </p:cond>
-              </p:prevCondLst>
-              <p:nextCondLst>
-                <p:cond evt="onNext" delay="0">
-                  <p:tgtEl>
-                    <p:sldTgt/>
-                  </p:tgtEl>
-                </p:cond>
-              </p:nextCondLst>
-            </p:seq>
-          </p:childTnLst>
-        </p:cTn>
+        <p:cTn xmlns:p14="http://schemas.microsoft.com/office/powerpoint/2010/main" id="1" dur="indefinite" restart="never" nodeType="tmRoot"/>
       </p:par>
     </p:tnLst>
   </p:timing>
@@ -9285,11 +9140,19 @@
           <a:lstStyle/>
           <a:p>
             <a:r>
-              <a:rPr lang="en-US" sz="4800" dirty="0" err="1" smtClean="0"/>
+              <a:rPr lang="en-US" sz="4800" dirty="0" err="1" smtClean="0">
+                <a:solidFill>
+                  <a:srgbClr val="0000FF"/>
+                </a:solidFill>
+              </a:rPr>
               <a:t>H</a:t>
             </a:r>
             <a:r>
-              <a:rPr lang="en-US" sz="4800" baseline="-25000" dirty="0" err="1" smtClean="0"/>
+              <a:rPr lang="en-US" sz="4800" baseline="-25000" dirty="0" err="1" smtClean="0">
+                <a:solidFill>
+                  <a:srgbClr val="0000FF"/>
+                </a:solidFill>
+              </a:rPr>
               <a:t>n</a:t>
             </a:r>
             <a:r>
@@ -9419,7 +9282,7 @@
           <a:graphicData uri="http://schemas.openxmlformats.org/presentationml/2006/ole">
             <mc:AlternateContent xmlns:mc="http://schemas.openxmlformats.org/markup-compatibility/2006">
               <mc:Choice xmlns:v="urn:schemas-microsoft-com:vml" Requires="v">
-                <p:oleObj spid="_x0000_s102437" name="Equation" r:id="rId5" imgW="1943100" imgH="495300" progId="Equation.DSMT4">
+                <p:oleObj spid="_x0000_s102439" name="Equation" r:id="rId5" imgW="1943100" imgH="495300" progId="Equation.DSMT4">
                   <p:embed/>
                 </p:oleObj>
               </mc:Choice>
@@ -9481,13 +9344,13 @@
   <p:clrMapOvr>
     <a:masterClrMapping/>
   </p:clrMapOvr>
-  <mc:AlternateContent xmlns:mc="http://schemas.openxmlformats.org/markup-compatibility/2006">
-    <mc:Choice xmlns:p14="http://schemas.microsoft.com/office/powerpoint/2010/main" Requires="p14">
+  <mc:AlternateContent xmlns:mc="http://schemas.openxmlformats.org/markup-compatibility/2006" xmlns:p14="http://schemas.microsoft.com/office/powerpoint/2010/main">
+    <mc:Choice Requires="p14">
       <p:transition spd="slow" p14:dur="1200" advTm="36412">
         <p:fade/>
       </p:transition>
     </mc:Choice>
-    <mc:Fallback>
+    <mc:Fallback xmlns="">
       <p:transition xmlns:p14="http://schemas.microsoft.com/office/powerpoint/2010/main" spd="slow" advTm="36412">
         <p:fade/>
       </p:transition>
@@ -9679,7 +9542,7 @@
           <a:graphicData uri="http://schemas.openxmlformats.org/presentationml/2006/ole">
             <mc:AlternateContent xmlns:mc="http://schemas.openxmlformats.org/markup-compatibility/2006">
               <mc:Choice xmlns:v="urn:schemas-microsoft-com:vml" Requires="v">
-                <p:oleObj spid="_x0000_s16417" name="Equation" r:id="rId4" imgW="1651000" imgH="1181100" progId="Equation.3">
+                <p:oleObj spid="_x0000_s16419" name="Equation" r:id="rId4" imgW="1651000" imgH="1181100" progId="Equation.3">
                   <p:embed/>
                 </p:oleObj>
               </mc:Choice>
@@ -9796,13 +9659,13 @@
   <p:clrMapOvr>
     <a:masterClrMapping/>
   </p:clrMapOvr>
-  <mc:AlternateContent xmlns:mc="http://schemas.openxmlformats.org/markup-compatibility/2006">
-    <mc:Choice xmlns:p14="http://schemas.microsoft.com/office/powerpoint/2010/main" Requires="p14">
+  <mc:AlternateContent xmlns:mc="http://schemas.openxmlformats.org/markup-compatibility/2006" xmlns:p14="http://schemas.microsoft.com/office/powerpoint/2010/main">
+    <mc:Choice Requires="p14">
       <p:transition spd="med" p14:dur="700">
         <p:fade/>
       </p:transition>
     </mc:Choice>
-    <mc:Fallback>
+    <mc:Fallback xmlns="">
       <p:transition xmlns:p14="http://schemas.microsoft.com/office/powerpoint/2010/main" spd="med">
         <p:fade/>
       </p:transition>
@@ -9936,7 +9799,7 @@
           <a:graphicData uri="http://schemas.openxmlformats.org/presentationml/2006/ole">
             <mc:AlternateContent xmlns:mc="http://schemas.openxmlformats.org/markup-compatibility/2006">
               <mc:Choice xmlns:v="urn:schemas-microsoft-com:vml" Requires="v">
-                <p:oleObj spid="_x0000_s103479" name="Equation" r:id="rId4" imgW="1816100" imgH="495300" progId="Equation.3">
+                <p:oleObj spid="_x0000_s103482" name="Equation" r:id="rId4" imgW="1816100" imgH="495300" progId="Equation.3">
                   <p:embed/>
                 </p:oleObj>
               </mc:Choice>
@@ -10000,7 +9863,7 @@
           <a:graphicData uri="http://schemas.openxmlformats.org/presentationml/2006/ole">
             <mc:AlternateContent xmlns:mc="http://schemas.openxmlformats.org/markup-compatibility/2006">
               <mc:Choice xmlns:v="urn:schemas-microsoft-com:vml" Requires="v">
-                <p:oleObj spid="_x0000_s103480" name="Equation" r:id="rId6" imgW="914400" imgH="469800" progId="Equation.DSMT4">
+                <p:oleObj spid="_x0000_s103483" name="Equation" r:id="rId6" imgW="914400" imgH="469800" progId="Equation.DSMT4">
                   <p:embed/>
                 </p:oleObj>
               </mc:Choice>
@@ -10222,13 +10085,13 @@
   <p:clrMapOvr>
     <a:masterClrMapping/>
   </p:clrMapOvr>
-  <mc:AlternateContent xmlns:mc="http://schemas.openxmlformats.org/markup-compatibility/2006">
-    <mc:Choice xmlns:p14="http://schemas.microsoft.com/office/powerpoint/2010/main" Requires="p14">
+  <mc:AlternateContent xmlns:mc="http://schemas.openxmlformats.org/markup-compatibility/2006" xmlns:p14="http://schemas.microsoft.com/office/powerpoint/2010/main">
+    <mc:Choice Requires="p14">
       <p:transition spd="med" p14:dur="700">
         <p:fade/>
       </p:transition>
     </mc:Choice>
-    <mc:Fallback>
+    <mc:Fallback xmlns="">
       <p:transition xmlns:p14="http://schemas.microsoft.com/office/powerpoint/2010/main" spd="med">
         <p:fade/>
       </p:transition>
